--- a/Презентация/Защита проекта PyQT5.pptx
+++ b/Презентация/Защита проекта PyQT5.pptx
@@ -1526,7 +1526,7 @@
   <p:cSld>
     <p:spTree>
       <p:nvGrpSpPr>
-        <p:cNvPr id="175" name="Shape 175"/>
+        <p:cNvPr id="176" name="Shape 176"/>
         <p:cNvGrpSpPr/>
         <p:nvPr/>
       </p:nvGrpSpPr>
@@ -1540,7 +1540,7 @@
       </p:grpSpPr>
       <p:sp>
         <p:nvSpPr>
-          <p:cNvPr id="176" name="Google Shape;176;g1bce11bb06d_0_123:notes"/>
+          <p:cNvPr id="177" name="Google Shape;177;g1bce11bb06d_0_123:notes"/>
           <p:cNvSpPr/>
           <p:nvPr>
             <p:ph idx="2" type="sldImg"/>
@@ -1575,7 +1575,7 @@
       </p:sp>
       <p:sp>
         <p:nvSpPr>
-          <p:cNvPr id="177" name="Google Shape;177;g1bce11bb06d_0_123:notes"/>
+          <p:cNvPr id="178" name="Google Shape;178;g1bce11bb06d_0_123:notes"/>
           <p:cNvSpPr txBox="1"/>
           <p:nvPr>
             <p:ph idx="1" type="body"/>
@@ -1625,7 +1625,7 @@
   <p:cSld>
     <p:spTree>
       <p:nvGrpSpPr>
-        <p:cNvPr id="186" name="Shape 186"/>
+        <p:cNvPr id="187" name="Shape 187"/>
         <p:cNvGrpSpPr/>
         <p:nvPr/>
       </p:nvGrpSpPr>
@@ -1639,7 +1639,7 @@
       </p:grpSpPr>
       <p:sp>
         <p:nvSpPr>
-          <p:cNvPr id="187" name="Google Shape;187;g1bce11bb06d_0_135:notes"/>
+          <p:cNvPr id="188" name="Google Shape;188;g1bce11bb06d_0_135:notes"/>
           <p:cNvSpPr/>
           <p:nvPr>
             <p:ph idx="2" type="sldImg"/>
@@ -1674,7 +1674,7 @@
       </p:sp>
       <p:sp>
         <p:nvSpPr>
-          <p:cNvPr id="188" name="Google Shape;188;g1bce11bb06d_0_135:notes"/>
+          <p:cNvPr id="189" name="Google Shape;189;g1bce11bb06d_0_135:notes"/>
           <p:cNvSpPr txBox="1"/>
           <p:nvPr>
             <p:ph idx="1" type="body"/>
@@ -1724,7 +1724,7 @@
   <p:cSld>
     <p:spTree>
       <p:nvGrpSpPr>
-        <p:cNvPr id="191" name="Shape 191"/>
+        <p:cNvPr id="192" name="Shape 192"/>
         <p:cNvGrpSpPr/>
         <p:nvPr/>
       </p:nvGrpSpPr>
@@ -1738,7 +1738,7 @@
       </p:grpSpPr>
       <p:sp>
         <p:nvSpPr>
-          <p:cNvPr id="192" name="Google Shape;192;g1bce11bb06d_0_139:notes"/>
+          <p:cNvPr id="193" name="Google Shape;193;g1bce11bb06d_0_139:notes"/>
           <p:cNvSpPr/>
           <p:nvPr>
             <p:ph idx="2" type="sldImg"/>
@@ -1773,7 +1773,7 @@
       </p:sp>
       <p:sp>
         <p:nvSpPr>
-          <p:cNvPr id="193" name="Google Shape;193;g1bce11bb06d_0_139:notes"/>
+          <p:cNvPr id="194" name="Google Shape;194;g1bce11bb06d_0_139:notes"/>
           <p:cNvSpPr txBox="1"/>
           <p:nvPr>
             <p:ph idx="1" type="body"/>
@@ -1922,7 +1922,7 @@
   <p:cSld>
     <p:spTree>
       <p:nvGrpSpPr>
-        <p:cNvPr id="198" name="Shape 198"/>
+        <p:cNvPr id="199" name="Shape 199"/>
         <p:cNvGrpSpPr/>
         <p:nvPr/>
       </p:nvGrpSpPr>
@@ -1936,7 +1936,7 @@
       </p:grpSpPr>
       <p:sp>
         <p:nvSpPr>
-          <p:cNvPr id="199" name="Google Shape;199;g1bce11bb06d_0_147:notes"/>
+          <p:cNvPr id="200" name="Google Shape;200;g1bce11bb06d_0_147:notes"/>
           <p:cNvSpPr/>
           <p:nvPr>
             <p:ph idx="2" type="sldImg"/>
@@ -1971,7 +1971,7 @@
       </p:sp>
       <p:sp>
         <p:nvSpPr>
-          <p:cNvPr id="200" name="Google Shape;200;g1bce11bb06d_0_147:notes"/>
+          <p:cNvPr id="201" name="Google Shape;201;g1bce11bb06d_0_147:notes"/>
           <p:cNvSpPr txBox="1"/>
           <p:nvPr>
             <p:ph idx="1" type="body"/>
@@ -2021,7 +2021,7 @@
   <p:cSld>
     <p:spTree>
       <p:nvGrpSpPr>
-        <p:cNvPr id="206" name="Shape 206"/>
+        <p:cNvPr id="207" name="Shape 207"/>
         <p:cNvGrpSpPr/>
         <p:nvPr/>
       </p:nvGrpSpPr>
@@ -2035,7 +2035,7 @@
       </p:grpSpPr>
       <p:sp>
         <p:nvSpPr>
-          <p:cNvPr id="207" name="Google Shape;207;g1bce11bb06d_0_155:notes"/>
+          <p:cNvPr id="208" name="Google Shape;208;g1bce11bb06d_0_155:notes"/>
           <p:cNvSpPr/>
           <p:nvPr>
             <p:ph idx="2" type="sldImg"/>
@@ -2070,7 +2070,7 @@
       </p:sp>
       <p:sp>
         <p:nvSpPr>
-          <p:cNvPr id="208" name="Google Shape;208;g1bce11bb06d_0_155:notes"/>
+          <p:cNvPr id="209" name="Google Shape;209;g1bce11bb06d_0_155:notes"/>
           <p:cNvSpPr txBox="1"/>
           <p:nvPr>
             <p:ph idx="1" type="body"/>
@@ -2120,7 +2120,7 @@
   <p:cSld>
     <p:spTree>
       <p:nvGrpSpPr>
-        <p:cNvPr id="219" name="Shape 219"/>
+        <p:cNvPr id="220" name="Shape 220"/>
         <p:cNvGrpSpPr/>
         <p:nvPr/>
       </p:nvGrpSpPr>
@@ -2134,7 +2134,7 @@
       </p:grpSpPr>
       <p:sp>
         <p:nvSpPr>
-          <p:cNvPr id="220" name="Google Shape;220;g1bd61a61108_0_8:notes"/>
+          <p:cNvPr id="221" name="Google Shape;221;g1bd61a61108_0_8:notes"/>
           <p:cNvSpPr/>
           <p:nvPr>
             <p:ph idx="2" type="sldImg"/>
@@ -2169,7 +2169,7 @@
       </p:sp>
       <p:sp>
         <p:nvSpPr>
-          <p:cNvPr id="221" name="Google Shape;221;g1bd61a61108_0_8:notes"/>
+          <p:cNvPr id="222" name="Google Shape;222;g1bd61a61108_0_8:notes"/>
           <p:cNvSpPr txBox="1"/>
           <p:nvPr>
             <p:ph idx="1" type="body"/>
@@ -2219,7 +2219,7 @@
   <p:cSld>
     <p:spTree>
       <p:nvGrpSpPr>
-        <p:cNvPr id="230" name="Shape 230"/>
+        <p:cNvPr id="231" name="Shape 231"/>
         <p:cNvGrpSpPr/>
         <p:nvPr/>
       </p:nvGrpSpPr>
@@ -2233,7 +2233,7 @@
       </p:grpSpPr>
       <p:sp>
         <p:nvSpPr>
-          <p:cNvPr id="231" name="Google Shape;231;g1bd61a61108_0_20:notes"/>
+          <p:cNvPr id="232" name="Google Shape;232;g1bd61a61108_0_20:notes"/>
           <p:cNvSpPr/>
           <p:nvPr>
             <p:ph idx="2" type="sldImg"/>
@@ -2268,7 +2268,7 @@
       </p:sp>
       <p:sp>
         <p:nvSpPr>
-          <p:cNvPr id="232" name="Google Shape;232;g1bd61a61108_0_20:notes"/>
+          <p:cNvPr id="233" name="Google Shape;233;g1bd61a61108_0_20:notes"/>
           <p:cNvSpPr txBox="1"/>
           <p:nvPr>
             <p:ph idx="1" type="body"/>
@@ -2318,7 +2318,7 @@
   <p:cSld>
     <p:spTree>
       <p:nvGrpSpPr>
-        <p:cNvPr id="240" name="Shape 240"/>
+        <p:cNvPr id="241" name="Shape 241"/>
         <p:cNvGrpSpPr/>
         <p:nvPr/>
       </p:nvGrpSpPr>
@@ -2332,7 +2332,7 @@
       </p:grpSpPr>
       <p:sp>
         <p:nvSpPr>
-          <p:cNvPr id="241" name="Google Shape;241;g1bd61a61108_0_35:notes"/>
+          <p:cNvPr id="242" name="Google Shape;242;g1bd61a61108_0_35:notes"/>
           <p:cNvSpPr/>
           <p:nvPr>
             <p:ph idx="2" type="sldImg"/>
@@ -2367,7 +2367,7 @@
       </p:sp>
       <p:sp>
         <p:nvSpPr>
-          <p:cNvPr id="242" name="Google Shape;242;g1bd61a61108_0_35:notes"/>
+          <p:cNvPr id="243" name="Google Shape;243;g1bd61a61108_0_35:notes"/>
           <p:cNvSpPr txBox="1"/>
           <p:nvPr>
             <p:ph idx="1" type="body"/>
@@ -2417,7 +2417,7 @@
   <p:cSld>
     <p:spTree>
       <p:nvGrpSpPr>
-        <p:cNvPr id="249" name="Shape 249"/>
+        <p:cNvPr id="250" name="Shape 250"/>
         <p:cNvGrpSpPr/>
         <p:nvPr/>
       </p:nvGrpSpPr>
@@ -2431,7 +2431,7 @@
       </p:grpSpPr>
       <p:sp>
         <p:nvSpPr>
-          <p:cNvPr id="250" name="Google Shape;250;g1bd61a61108_0_46:notes"/>
+          <p:cNvPr id="251" name="Google Shape;251;g1bd61a61108_0_46:notes"/>
           <p:cNvSpPr/>
           <p:nvPr>
             <p:ph idx="2" type="sldImg"/>
@@ -2466,7 +2466,7 @@
       </p:sp>
       <p:sp>
         <p:nvSpPr>
-          <p:cNvPr id="251" name="Google Shape;251;g1bd61a61108_0_46:notes"/>
+          <p:cNvPr id="252" name="Google Shape;252;g1bd61a61108_0_46:notes"/>
           <p:cNvSpPr txBox="1"/>
           <p:nvPr>
             <p:ph idx="1" type="body"/>
@@ -2516,7 +2516,7 @@
   <p:cSld>
     <p:spTree>
       <p:nvGrpSpPr>
-        <p:cNvPr id="256" name="Shape 256"/>
+        <p:cNvPr id="257" name="Shape 257"/>
         <p:cNvGrpSpPr/>
         <p:nvPr/>
       </p:nvGrpSpPr>
@@ -2530,7 +2530,7 @@
       </p:grpSpPr>
       <p:sp>
         <p:nvSpPr>
-          <p:cNvPr id="257" name="Google Shape;257;g1bd61a61108_0_54:notes"/>
+          <p:cNvPr id="258" name="Google Shape;258;g1bd61a61108_0_54:notes"/>
           <p:cNvSpPr/>
           <p:nvPr>
             <p:ph idx="2" type="sldImg"/>
@@ -2565,7 +2565,7 @@
       </p:sp>
       <p:sp>
         <p:nvSpPr>
-          <p:cNvPr id="258" name="Google Shape;258;g1bd61a61108_0_54:notes"/>
+          <p:cNvPr id="259" name="Google Shape;259;g1bd61a61108_0_54:notes"/>
           <p:cNvSpPr txBox="1"/>
           <p:nvPr>
             <p:ph idx="1" type="body"/>
@@ -2615,7 +2615,7 @@
   <p:cSld>
     <p:spTree>
       <p:nvGrpSpPr>
-        <p:cNvPr id="265" name="Shape 265"/>
+        <p:cNvPr id="266" name="Shape 266"/>
         <p:cNvGrpSpPr/>
         <p:nvPr/>
       </p:nvGrpSpPr>
@@ -2629,7 +2629,7 @@
       </p:grpSpPr>
       <p:sp>
         <p:nvSpPr>
-          <p:cNvPr id="266" name="Google Shape;266;g1bd61a61108_0_67:notes"/>
+          <p:cNvPr id="267" name="Google Shape;267;g1bd61a61108_0_67:notes"/>
           <p:cNvSpPr/>
           <p:nvPr>
             <p:ph idx="2" type="sldImg"/>
@@ -2664,7 +2664,7 @@
       </p:sp>
       <p:sp>
         <p:nvSpPr>
-          <p:cNvPr id="267" name="Google Shape;267;g1bd61a61108_0_67:notes"/>
+          <p:cNvPr id="268" name="Google Shape;268;g1bd61a61108_0_67:notes"/>
           <p:cNvSpPr txBox="1"/>
           <p:nvPr>
             <p:ph idx="1" type="body"/>
@@ -2714,7 +2714,7 @@
   <p:cSld>
     <p:spTree>
       <p:nvGrpSpPr>
-        <p:cNvPr id="274" name="Shape 274"/>
+        <p:cNvPr id="275" name="Shape 275"/>
         <p:cNvGrpSpPr/>
         <p:nvPr/>
       </p:nvGrpSpPr>
@@ -2728,7 +2728,7 @@
       </p:grpSpPr>
       <p:sp>
         <p:nvSpPr>
-          <p:cNvPr id="275" name="Google Shape;275;g1bd61a61108_0_77:notes"/>
+          <p:cNvPr id="276" name="Google Shape;276;g1bd61a61108_0_77:notes"/>
           <p:cNvSpPr/>
           <p:nvPr>
             <p:ph idx="2" type="sldImg"/>
@@ -2763,7 +2763,7 @@
       </p:sp>
       <p:sp>
         <p:nvSpPr>
-          <p:cNvPr id="276" name="Google Shape;276;g1bd61a61108_0_77:notes"/>
+          <p:cNvPr id="277" name="Google Shape;277;g1bd61a61108_0_77:notes"/>
           <p:cNvSpPr txBox="1"/>
           <p:nvPr>
             <p:ph idx="1" type="body"/>
@@ -2813,7 +2813,7 @@
   <p:cSld>
     <p:spTree>
       <p:nvGrpSpPr>
-        <p:cNvPr id="281" name="Shape 281"/>
+        <p:cNvPr id="282" name="Shape 282"/>
         <p:cNvGrpSpPr/>
         <p:nvPr/>
       </p:nvGrpSpPr>
@@ -2827,7 +2827,7 @@
       </p:grpSpPr>
       <p:sp>
         <p:nvSpPr>
-          <p:cNvPr id="282" name="Google Shape;282;g1bd61a61108_0_85:notes"/>
+          <p:cNvPr id="283" name="Google Shape;283;g1bd61a61108_0_85:notes"/>
           <p:cNvSpPr/>
           <p:nvPr>
             <p:ph idx="2" type="sldImg"/>
@@ -2862,7 +2862,7 @@
       </p:sp>
       <p:sp>
         <p:nvSpPr>
-          <p:cNvPr id="283" name="Google Shape;283;g1bd61a61108_0_85:notes"/>
+          <p:cNvPr id="284" name="Google Shape;284;g1bd61a61108_0_85:notes"/>
           <p:cNvSpPr txBox="1"/>
           <p:nvPr>
             <p:ph idx="1" type="body"/>
@@ -3011,7 +3011,7 @@
   <p:cSld>
     <p:spTree>
       <p:nvGrpSpPr>
-        <p:cNvPr id="288" name="Shape 288"/>
+        <p:cNvPr id="289" name="Shape 289"/>
         <p:cNvGrpSpPr/>
         <p:nvPr/>
       </p:nvGrpSpPr>
@@ -3025,7 +3025,7 @@
       </p:grpSpPr>
       <p:sp>
         <p:nvSpPr>
-          <p:cNvPr id="289" name="Google Shape;289;g1bd61a61108_0_93:notes"/>
+          <p:cNvPr id="290" name="Google Shape;290;g1bd61a61108_0_93:notes"/>
           <p:cNvSpPr/>
           <p:nvPr>
             <p:ph idx="2" type="sldImg"/>
@@ -3060,7 +3060,7 @@
       </p:sp>
       <p:sp>
         <p:nvSpPr>
-          <p:cNvPr id="290" name="Google Shape;290;g1bd61a61108_0_93:notes"/>
+          <p:cNvPr id="291" name="Google Shape;291;g1bd61a61108_0_93:notes"/>
           <p:cNvSpPr txBox="1"/>
           <p:nvPr>
             <p:ph idx="1" type="body"/>
@@ -10725,8 +10725,8 @@
         </p:blipFill>
         <p:spPr>
           <a:xfrm>
-            <a:off x="311700" y="1093850"/>
-            <a:ext cx="3320499" cy="2619924"/>
+            <a:off x="5224625" y="1094288"/>
+            <a:ext cx="3320500" cy="2619049"/>
           </a:xfrm>
           <a:prstGeom prst="rect">
             <a:avLst/>
@@ -10737,37 +10737,9 @@
           </a:ln>
         </p:spPr>
       </p:pic>
-      <p:pic>
-        <p:nvPicPr>
+      <p:sp>
+        <p:nvSpPr>
           <p:cNvPr id="172" name="Google Shape;172;p28"/>
-          <p:cNvPicPr preferRelativeResize="0"/>
-          <p:nvPr/>
-        </p:nvPicPr>
-        <p:blipFill>
-          <a:blip r:embed="rId4">
-            <a:alphaModFix/>
-          </a:blip>
-          <a:stretch>
-            <a:fillRect/>
-          </a:stretch>
-        </p:blipFill>
-        <p:spPr>
-          <a:xfrm>
-            <a:off x="5224625" y="1094288"/>
-            <a:ext cx="3320500" cy="2619049"/>
-          </a:xfrm>
-          <a:prstGeom prst="rect">
-            <a:avLst/>
-          </a:prstGeom>
-          <a:noFill/>
-          <a:ln>
-            <a:noFill/>
-          </a:ln>
-        </p:spPr>
-      </p:pic>
-      <p:sp>
-        <p:nvSpPr>
-          <p:cNvPr id="173" name="Google Shape;173;p28"/>
           <p:cNvSpPr txBox="1"/>
           <p:nvPr/>
         </p:nvSpPr>
@@ -10825,16 +10797,16 @@
       </p:sp>
       <p:cxnSp>
         <p:nvCxnSpPr>
-          <p:cNvPr id="174" name="Google Shape;174;p28"/>
+          <p:cNvPr id="173" name="Google Shape;173;p28"/>
           <p:cNvCxnSpPr>
-            <a:stCxn id="171" idx="3"/>
-            <a:endCxn id="172" idx="1"/>
+            <a:stCxn id="174" idx="3"/>
+            <a:endCxn id="171" idx="1"/>
           </p:cNvCxnSpPr>
           <p:nvPr/>
         </p:nvCxnSpPr>
         <p:spPr>
           <a:xfrm>
-            <a:off x="3632199" y="2403812"/>
+            <a:off x="3632225" y="2403812"/>
             <a:ext cx="1592400" cy="0"/>
           </a:xfrm>
           <a:prstGeom prst="straightConnector1">
@@ -10852,6 +10824,34 @@
           </a:ln>
         </p:spPr>
       </p:cxnSp>
+      <p:pic>
+        <p:nvPicPr>
+          <p:cNvPr id="175" name="Google Shape;175;p28"/>
+          <p:cNvPicPr preferRelativeResize="0"/>
+          <p:nvPr/>
+        </p:nvPicPr>
+        <p:blipFill>
+          <a:blip r:embed="rId4">
+            <a:alphaModFix/>
+          </a:blip>
+          <a:stretch>
+            <a:fillRect/>
+          </a:stretch>
+        </p:blipFill>
+        <p:spPr>
+          <a:xfrm>
+            <a:off x="311700" y="1094300"/>
+            <a:ext cx="3320501" cy="2604235"/>
+          </a:xfrm>
+          <a:prstGeom prst="rect">
+            <a:avLst/>
+          </a:prstGeom>
+          <a:noFill/>
+          <a:ln>
+            <a:noFill/>
+          </a:ln>
+        </p:spPr>
+      </p:pic>
     </p:spTree>
   </p:cSld>
   <p:clrMapOvr>
@@ -10865,7 +10865,7 @@
   <p:cSld>
     <p:spTree>
       <p:nvGrpSpPr>
-        <p:cNvPr id="178" name="Shape 178"/>
+        <p:cNvPr id="179" name="Shape 179"/>
         <p:cNvGrpSpPr/>
         <p:nvPr/>
       </p:nvGrpSpPr>
@@ -10879,7 +10879,7 @@
       </p:grpSpPr>
       <p:sp>
         <p:nvSpPr>
-          <p:cNvPr id="179" name="Google Shape;179;p29"/>
+          <p:cNvPr id="180" name="Google Shape;180;p29"/>
           <p:cNvSpPr txBox="1"/>
           <p:nvPr>
             <p:ph type="title"/>
@@ -10927,7 +10927,7 @@
       </p:sp>
       <p:pic>
         <p:nvPicPr>
-          <p:cNvPr id="180" name="Google Shape;180;p29"/>
+          <p:cNvPr id="181" name="Google Shape;181;p29"/>
           <p:cNvPicPr preferRelativeResize="0"/>
           <p:nvPr/>
         </p:nvPicPr>
@@ -10955,7 +10955,7 @@
       </p:pic>
       <p:pic>
         <p:nvPicPr>
-          <p:cNvPr id="181" name="Google Shape;181;p29"/>
+          <p:cNvPr id="182" name="Google Shape;182;p29"/>
           <p:cNvPicPr preferRelativeResize="0"/>
           <p:nvPr/>
         </p:nvPicPr>
@@ -10983,10 +10983,10 @@
       </p:pic>
       <p:cxnSp>
         <p:nvCxnSpPr>
-          <p:cNvPr id="182" name="Google Shape;182;p29"/>
+          <p:cNvPr id="183" name="Google Shape;183;p29"/>
           <p:cNvCxnSpPr>
-            <a:stCxn id="181" idx="3"/>
-            <a:endCxn id="180" idx="1"/>
+            <a:stCxn id="182" idx="3"/>
+            <a:endCxn id="181" idx="1"/>
           </p:cNvCxnSpPr>
           <p:nvPr/>
         </p:nvCxnSpPr>
@@ -11012,7 +11012,7 @@
       </p:cxnSp>
       <p:sp>
         <p:nvSpPr>
-          <p:cNvPr id="183" name="Google Shape;183;p29"/>
+          <p:cNvPr id="184" name="Google Shape;184;p29"/>
           <p:cNvSpPr txBox="1"/>
           <p:nvPr/>
         </p:nvSpPr>
@@ -11064,7 +11064,7 @@
       </p:sp>
       <p:sp>
         <p:nvSpPr>
-          <p:cNvPr id="184" name="Google Shape;184;p29"/>
+          <p:cNvPr id="185" name="Google Shape;185;p29"/>
           <p:cNvSpPr txBox="1"/>
           <p:nvPr/>
         </p:nvSpPr>
@@ -11116,7 +11116,7 @@
       </p:sp>
       <p:sp>
         <p:nvSpPr>
-          <p:cNvPr id="185" name="Google Shape;185;p29"/>
+          <p:cNvPr id="186" name="Google Shape;186;p29"/>
           <p:cNvSpPr txBox="1"/>
           <p:nvPr/>
         </p:nvSpPr>
@@ -11185,7 +11185,7 @@
   <p:cSld>
     <p:spTree>
       <p:nvGrpSpPr>
-        <p:cNvPr id="189" name="Shape 189"/>
+        <p:cNvPr id="190" name="Shape 190"/>
         <p:cNvGrpSpPr/>
         <p:nvPr/>
       </p:nvGrpSpPr>
@@ -11199,7 +11199,7 @@
       </p:grpSpPr>
       <p:sp>
         <p:nvSpPr>
-          <p:cNvPr id="190" name="Google Shape;190;p30"/>
+          <p:cNvPr id="191" name="Google Shape;191;p30"/>
           <p:cNvSpPr txBox="1"/>
           <p:nvPr>
             <p:ph type="title"/>
@@ -11259,7 +11259,7 @@
   <p:cSld>
     <p:spTree>
       <p:nvGrpSpPr>
-        <p:cNvPr id="194" name="Shape 194"/>
+        <p:cNvPr id="195" name="Shape 195"/>
         <p:cNvGrpSpPr/>
         <p:nvPr/>
       </p:nvGrpSpPr>
@@ -11273,7 +11273,7 @@
       </p:grpSpPr>
       <p:sp>
         <p:nvSpPr>
-          <p:cNvPr id="195" name="Google Shape;195;p31"/>
+          <p:cNvPr id="196" name="Google Shape;196;p31"/>
           <p:cNvSpPr txBox="1"/>
           <p:nvPr>
             <p:ph type="title"/>
@@ -11321,7 +11321,7 @@
       </p:sp>
       <p:pic>
         <p:nvPicPr>
-          <p:cNvPr id="196" name="Google Shape;196;p31"/>
+          <p:cNvPr id="197" name="Google Shape;197;p31"/>
           <p:cNvPicPr preferRelativeResize="0"/>
           <p:nvPr/>
         </p:nvPicPr>
@@ -11349,7 +11349,7 @@
       </p:pic>
       <p:sp>
         <p:nvSpPr>
-          <p:cNvPr id="197" name="Google Shape;197;p31"/>
+          <p:cNvPr id="198" name="Google Shape;198;p31"/>
           <p:cNvSpPr txBox="1"/>
           <p:nvPr>
             <p:ph idx="2" type="body"/>
@@ -11513,7 +11513,7 @@
   <p:cSld>
     <p:spTree>
       <p:nvGrpSpPr>
-        <p:cNvPr id="201" name="Shape 201"/>
+        <p:cNvPr id="202" name="Shape 202"/>
         <p:cNvGrpSpPr/>
         <p:nvPr/>
       </p:nvGrpSpPr>
@@ -11527,7 +11527,7 @@
       </p:grpSpPr>
       <p:sp>
         <p:nvSpPr>
-          <p:cNvPr id="202" name="Google Shape;202;p32"/>
+          <p:cNvPr id="203" name="Google Shape;203;p32"/>
           <p:cNvSpPr txBox="1"/>
           <p:nvPr>
             <p:ph type="title"/>
@@ -11575,7 +11575,7 @@
       </p:sp>
       <p:pic>
         <p:nvPicPr>
-          <p:cNvPr id="203" name="Google Shape;203;p32"/>
+          <p:cNvPr id="204" name="Google Shape;204;p32"/>
           <p:cNvPicPr preferRelativeResize="0"/>
           <p:nvPr/>
         </p:nvPicPr>
@@ -11603,7 +11603,7 @@
       </p:pic>
       <p:sp>
         <p:nvSpPr>
-          <p:cNvPr id="204" name="Google Shape;204;p32"/>
+          <p:cNvPr id="205" name="Google Shape;205;p32"/>
           <p:cNvSpPr txBox="1"/>
           <p:nvPr/>
         </p:nvSpPr>
@@ -11795,7 +11795,7 @@
       </p:sp>
       <p:sp>
         <p:nvSpPr>
-          <p:cNvPr id="205" name="Google Shape;205;p32"/>
+          <p:cNvPr id="206" name="Google Shape;206;p32"/>
           <p:cNvSpPr txBox="1"/>
           <p:nvPr/>
         </p:nvSpPr>
@@ -11864,7 +11864,7 @@
   <p:cSld>
     <p:spTree>
       <p:nvGrpSpPr>
-        <p:cNvPr id="209" name="Shape 209"/>
+        <p:cNvPr id="210" name="Shape 210"/>
         <p:cNvGrpSpPr/>
         <p:nvPr/>
       </p:nvGrpSpPr>
@@ -11878,7 +11878,7 @@
       </p:grpSpPr>
       <p:sp>
         <p:nvSpPr>
-          <p:cNvPr id="210" name="Google Shape;210;p33"/>
+          <p:cNvPr id="211" name="Google Shape;211;p33"/>
           <p:cNvSpPr txBox="1"/>
           <p:nvPr>
             <p:ph type="title"/>
@@ -11926,7 +11926,7 @@
       </p:sp>
       <p:sp>
         <p:nvSpPr>
-          <p:cNvPr id="211" name="Google Shape;211;p33"/>
+          <p:cNvPr id="212" name="Google Shape;212;p33"/>
           <p:cNvSpPr txBox="1"/>
           <p:nvPr/>
         </p:nvSpPr>
@@ -11978,7 +11978,7 @@
       </p:sp>
       <p:pic>
         <p:nvPicPr>
-          <p:cNvPr id="212" name="Google Shape;212;p33"/>
+          <p:cNvPr id="213" name="Google Shape;213;p33"/>
           <p:cNvPicPr preferRelativeResize="0"/>
           <p:nvPr/>
         </p:nvPicPr>
@@ -12006,7 +12006,7 @@
       </p:pic>
       <p:sp>
         <p:nvSpPr>
-          <p:cNvPr id="213" name="Google Shape;213;p33"/>
+          <p:cNvPr id="214" name="Google Shape;214;p33"/>
           <p:cNvSpPr txBox="1"/>
           <p:nvPr/>
         </p:nvSpPr>
@@ -12064,7 +12064,7 @@
       </p:sp>
       <p:pic>
         <p:nvPicPr>
-          <p:cNvPr id="214" name="Google Shape;214;p33"/>
+          <p:cNvPr id="215" name="Google Shape;215;p33"/>
           <p:cNvPicPr preferRelativeResize="0"/>
           <p:nvPr/>
         </p:nvPicPr>
@@ -12092,7 +12092,7 @@
       </p:pic>
       <p:sp>
         <p:nvSpPr>
-          <p:cNvPr id="215" name="Google Shape;215;p33"/>
+          <p:cNvPr id="216" name="Google Shape;216;p33"/>
           <p:cNvSpPr txBox="1"/>
           <p:nvPr/>
         </p:nvSpPr>
@@ -12144,10 +12144,10 @@
       </p:sp>
       <p:cxnSp>
         <p:nvCxnSpPr>
-          <p:cNvPr id="216" name="Google Shape;216;p33"/>
+          <p:cNvPr id="217" name="Google Shape;217;p33"/>
           <p:cNvCxnSpPr>
-            <a:stCxn id="212" idx="3"/>
-            <a:endCxn id="214" idx="1"/>
+            <a:stCxn id="213" idx="3"/>
+            <a:endCxn id="215" idx="1"/>
           </p:cNvCxnSpPr>
           <p:nvPr/>
         </p:nvCxnSpPr>
@@ -12173,7 +12173,7 @@
       </p:cxnSp>
       <p:sp>
         <p:nvSpPr>
-          <p:cNvPr id="217" name="Google Shape;217;p33"/>
+          <p:cNvPr id="218" name="Google Shape;218;p33"/>
           <p:cNvSpPr txBox="1"/>
           <p:nvPr/>
         </p:nvSpPr>
@@ -12231,7 +12231,7 @@
       </p:sp>
       <p:sp>
         <p:nvSpPr>
-          <p:cNvPr id="218" name="Google Shape;218;p33"/>
+          <p:cNvPr id="219" name="Google Shape;219;p33"/>
           <p:cNvSpPr txBox="1"/>
           <p:nvPr/>
         </p:nvSpPr>
@@ -12300,7 +12300,7 @@
   <p:cSld>
     <p:spTree>
       <p:nvGrpSpPr>
-        <p:cNvPr id="222" name="Shape 222"/>
+        <p:cNvPr id="223" name="Shape 223"/>
         <p:cNvGrpSpPr/>
         <p:nvPr/>
       </p:nvGrpSpPr>
@@ -12314,7 +12314,7 @@
       </p:grpSpPr>
       <p:sp>
         <p:nvSpPr>
-          <p:cNvPr id="223" name="Google Shape;223;p34"/>
+          <p:cNvPr id="224" name="Google Shape;224;p34"/>
           <p:cNvSpPr txBox="1"/>
           <p:nvPr>
             <p:ph type="title"/>
@@ -12362,7 +12362,7 @@
       </p:sp>
       <p:sp>
         <p:nvSpPr>
-          <p:cNvPr id="224" name="Google Shape;224;p34"/>
+          <p:cNvPr id="225" name="Google Shape;225;p34"/>
           <p:cNvSpPr txBox="1"/>
           <p:nvPr/>
         </p:nvSpPr>
@@ -12414,7 +12414,7 @@
       </p:sp>
       <p:pic>
         <p:nvPicPr>
-          <p:cNvPr id="225" name="Google Shape;225;p34"/>
+          <p:cNvPr id="226" name="Google Shape;226;p34"/>
           <p:cNvPicPr preferRelativeResize="0"/>
           <p:nvPr/>
         </p:nvPicPr>
@@ -12442,7 +12442,7 @@
       </p:pic>
       <p:pic>
         <p:nvPicPr>
-          <p:cNvPr id="226" name="Google Shape;226;p34"/>
+          <p:cNvPr id="227" name="Google Shape;227;p34"/>
           <p:cNvPicPr preferRelativeResize="0"/>
           <p:nvPr/>
         </p:nvPicPr>
@@ -12470,7 +12470,7 @@
       </p:pic>
       <p:sp>
         <p:nvSpPr>
-          <p:cNvPr id="227" name="Google Shape;227;p34"/>
+          <p:cNvPr id="228" name="Google Shape;228;p34"/>
           <p:cNvSpPr txBox="1"/>
           <p:nvPr/>
         </p:nvSpPr>
@@ -12522,10 +12522,10 @@
       </p:sp>
       <p:cxnSp>
         <p:nvCxnSpPr>
-          <p:cNvPr id="228" name="Google Shape;228;p34"/>
+          <p:cNvPr id="229" name="Google Shape;229;p34"/>
           <p:cNvCxnSpPr>
-            <a:stCxn id="225" idx="3"/>
-            <a:endCxn id="226" idx="1"/>
+            <a:stCxn id="226" idx="3"/>
+            <a:endCxn id="227" idx="1"/>
           </p:cNvCxnSpPr>
           <p:nvPr/>
         </p:nvCxnSpPr>
@@ -12551,7 +12551,7 @@
       </p:cxnSp>
       <p:sp>
         <p:nvSpPr>
-          <p:cNvPr id="229" name="Google Shape;229;p34"/>
+          <p:cNvPr id="230" name="Google Shape;230;p34"/>
           <p:cNvSpPr txBox="1"/>
           <p:nvPr/>
         </p:nvSpPr>
@@ -12620,7 +12620,7 @@
   <p:cSld>
     <p:spTree>
       <p:nvGrpSpPr>
-        <p:cNvPr id="233" name="Shape 233"/>
+        <p:cNvPr id="234" name="Shape 234"/>
         <p:cNvGrpSpPr/>
         <p:nvPr/>
       </p:nvGrpSpPr>
@@ -12634,7 +12634,7 @@
       </p:grpSpPr>
       <p:sp>
         <p:nvSpPr>
-          <p:cNvPr id="234" name="Google Shape;234;p35"/>
+          <p:cNvPr id="235" name="Google Shape;235;p35"/>
           <p:cNvSpPr txBox="1"/>
           <p:nvPr>
             <p:ph type="title"/>
@@ -12682,7 +12682,7 @@
       </p:sp>
       <p:sp>
         <p:nvSpPr>
-          <p:cNvPr id="235" name="Google Shape;235;p35"/>
+          <p:cNvPr id="236" name="Google Shape;236;p35"/>
           <p:cNvSpPr txBox="1"/>
           <p:nvPr/>
         </p:nvSpPr>
@@ -12760,7 +12760,7 @@
       </p:sp>
       <p:pic>
         <p:nvPicPr>
-          <p:cNvPr id="236" name="Google Shape;236;p35"/>
+          <p:cNvPr id="237" name="Google Shape;237;p35"/>
           <p:cNvPicPr preferRelativeResize="0"/>
           <p:nvPr/>
         </p:nvPicPr>
@@ -12788,7 +12788,7 @@
       </p:pic>
       <p:pic>
         <p:nvPicPr>
-          <p:cNvPr id="237" name="Google Shape;237;p35"/>
+          <p:cNvPr id="238" name="Google Shape;238;p35"/>
           <p:cNvPicPr preferRelativeResize="0"/>
           <p:nvPr/>
         </p:nvPicPr>
@@ -12816,7 +12816,7 @@
       </p:pic>
       <p:sp>
         <p:nvSpPr>
-          <p:cNvPr id="238" name="Google Shape;238;p35"/>
+          <p:cNvPr id="239" name="Google Shape;239;p35"/>
           <p:cNvSpPr txBox="1"/>
           <p:nvPr/>
         </p:nvSpPr>
@@ -12894,7 +12894,7 @@
       </p:sp>
       <p:sp>
         <p:nvSpPr>
-          <p:cNvPr id="239" name="Google Shape;239;p35"/>
+          <p:cNvPr id="240" name="Google Shape;240;p35"/>
           <p:cNvSpPr txBox="1"/>
           <p:nvPr/>
         </p:nvSpPr>
@@ -12963,7 +12963,7 @@
   <p:cSld>
     <p:spTree>
       <p:nvGrpSpPr>
-        <p:cNvPr id="243" name="Shape 243"/>
+        <p:cNvPr id="244" name="Shape 244"/>
         <p:cNvGrpSpPr/>
         <p:nvPr/>
       </p:nvGrpSpPr>
@@ -12977,7 +12977,7 @@
       </p:grpSpPr>
       <p:sp>
         <p:nvSpPr>
-          <p:cNvPr id="244" name="Google Shape;244;p36"/>
+          <p:cNvPr id="245" name="Google Shape;245;p36"/>
           <p:cNvSpPr txBox="1"/>
           <p:nvPr>
             <p:ph type="title"/>
@@ -13025,7 +13025,7 @@
       </p:sp>
       <p:pic>
         <p:nvPicPr>
-          <p:cNvPr id="245" name="Google Shape;245;p36"/>
+          <p:cNvPr id="246" name="Google Shape;246;p36"/>
           <p:cNvPicPr preferRelativeResize="0"/>
           <p:nvPr/>
         </p:nvPicPr>
@@ -13053,7 +13053,7 @@
       </p:pic>
       <p:sp>
         <p:nvSpPr>
-          <p:cNvPr id="246" name="Google Shape;246;p36"/>
+          <p:cNvPr id="247" name="Google Shape;247;p36"/>
           <p:cNvSpPr txBox="1"/>
           <p:nvPr/>
         </p:nvSpPr>
@@ -13105,7 +13105,7 @@
       </p:sp>
       <p:pic>
         <p:nvPicPr>
-          <p:cNvPr id="247" name="Google Shape;247;p36"/>
+          <p:cNvPr id="248" name="Google Shape;248;p36"/>
           <p:cNvPicPr preferRelativeResize="0"/>
           <p:nvPr/>
         </p:nvPicPr>
@@ -13133,7 +13133,7 @@
       </p:pic>
       <p:sp>
         <p:nvSpPr>
-          <p:cNvPr id="248" name="Google Shape;248;p36"/>
+          <p:cNvPr id="249" name="Google Shape;249;p36"/>
           <p:cNvSpPr txBox="1"/>
           <p:nvPr/>
         </p:nvSpPr>
@@ -13196,7 +13196,7 @@
   <p:cSld>
     <p:spTree>
       <p:nvGrpSpPr>
-        <p:cNvPr id="252" name="Shape 252"/>
+        <p:cNvPr id="253" name="Shape 253"/>
         <p:cNvGrpSpPr/>
         <p:nvPr/>
       </p:nvGrpSpPr>
@@ -13210,7 +13210,7 @@
       </p:grpSpPr>
       <p:sp>
         <p:nvSpPr>
-          <p:cNvPr id="253" name="Google Shape;253;p37"/>
+          <p:cNvPr id="254" name="Google Shape;254;p37"/>
           <p:cNvSpPr txBox="1"/>
           <p:nvPr>
             <p:ph type="title"/>
@@ -13258,7 +13258,7 @@
       </p:sp>
       <p:pic>
         <p:nvPicPr>
-          <p:cNvPr id="254" name="Google Shape;254;p37"/>
+          <p:cNvPr id="255" name="Google Shape;255;p37"/>
           <p:cNvPicPr preferRelativeResize="0"/>
           <p:nvPr/>
         </p:nvPicPr>
@@ -13286,7 +13286,7 @@
       </p:pic>
       <p:pic>
         <p:nvPicPr>
-          <p:cNvPr id="255" name="Google Shape;255;p37"/>
+          <p:cNvPr id="256" name="Google Shape;256;p37"/>
           <p:cNvPicPr preferRelativeResize="0"/>
           <p:nvPr/>
         </p:nvPicPr>
@@ -13325,7 +13325,7 @@
   <p:cSld>
     <p:spTree>
       <p:nvGrpSpPr>
-        <p:cNvPr id="259" name="Shape 259"/>
+        <p:cNvPr id="260" name="Shape 260"/>
         <p:cNvGrpSpPr/>
         <p:nvPr/>
       </p:nvGrpSpPr>
@@ -13339,7 +13339,7 @@
       </p:grpSpPr>
       <p:sp>
         <p:nvSpPr>
-          <p:cNvPr id="260" name="Google Shape;260;p38"/>
+          <p:cNvPr id="261" name="Google Shape;261;p38"/>
           <p:cNvSpPr txBox="1"/>
           <p:nvPr>
             <p:ph type="title"/>
@@ -13387,7 +13387,7 @@
       </p:sp>
       <p:sp>
         <p:nvSpPr>
-          <p:cNvPr id="261" name="Google Shape;261;p38"/>
+          <p:cNvPr id="262" name="Google Shape;262;p38"/>
           <p:cNvSpPr txBox="1"/>
           <p:nvPr/>
         </p:nvSpPr>
@@ -13439,7 +13439,7 @@
       </p:sp>
       <p:pic>
         <p:nvPicPr>
-          <p:cNvPr id="262" name="Google Shape;262;p38"/>
+          <p:cNvPr id="263" name="Google Shape;263;p38"/>
           <p:cNvPicPr preferRelativeResize="0"/>
           <p:nvPr/>
         </p:nvPicPr>
@@ -13467,7 +13467,7 @@
       </p:pic>
       <p:sp>
         <p:nvSpPr>
-          <p:cNvPr id="263" name="Google Shape;263;p38"/>
+          <p:cNvPr id="264" name="Google Shape;264;p38"/>
           <p:cNvSpPr txBox="1"/>
           <p:nvPr/>
         </p:nvSpPr>
@@ -13513,7 +13513,7 @@
       </p:sp>
       <p:sp>
         <p:nvSpPr>
-          <p:cNvPr id="264" name="Google Shape;264;p38"/>
+          <p:cNvPr id="265" name="Google Shape;265;p38"/>
           <p:cNvSpPr txBox="1"/>
           <p:nvPr/>
         </p:nvSpPr>
@@ -13576,7 +13576,7 @@
   <p:cSld>
     <p:spTree>
       <p:nvGrpSpPr>
-        <p:cNvPr id="268" name="Shape 268"/>
+        <p:cNvPr id="269" name="Shape 269"/>
         <p:cNvGrpSpPr/>
         <p:nvPr/>
       </p:nvGrpSpPr>
@@ -13590,7 +13590,7 @@
       </p:grpSpPr>
       <p:sp>
         <p:nvSpPr>
-          <p:cNvPr id="269" name="Google Shape;269;p39"/>
+          <p:cNvPr id="270" name="Google Shape;270;p39"/>
           <p:cNvSpPr txBox="1"/>
           <p:nvPr>
             <p:ph type="title"/>
@@ -13638,7 +13638,7 @@
       </p:sp>
       <p:pic>
         <p:nvPicPr>
-          <p:cNvPr id="270" name="Google Shape;270;p39"/>
+          <p:cNvPr id="271" name="Google Shape;271;p39"/>
           <p:cNvPicPr preferRelativeResize="0"/>
           <p:nvPr/>
         </p:nvPicPr>
@@ -13666,7 +13666,7 @@
       </p:pic>
       <p:pic>
         <p:nvPicPr>
-          <p:cNvPr id="271" name="Google Shape;271;p39"/>
+          <p:cNvPr id="272" name="Google Shape;272;p39"/>
           <p:cNvPicPr preferRelativeResize="0"/>
           <p:nvPr/>
         </p:nvPicPr>
@@ -13694,7 +13694,7 @@
       </p:pic>
       <p:sp>
         <p:nvSpPr>
-          <p:cNvPr id="272" name="Google Shape;272;p39"/>
+          <p:cNvPr id="273" name="Google Shape;273;p39"/>
           <p:cNvSpPr txBox="1"/>
           <p:nvPr/>
         </p:nvSpPr>
@@ -13746,7 +13746,7 @@
       </p:sp>
       <p:sp>
         <p:nvSpPr>
-          <p:cNvPr id="273" name="Google Shape;273;p39"/>
+          <p:cNvPr id="274" name="Google Shape;274;p39"/>
           <p:cNvSpPr txBox="1"/>
           <p:nvPr/>
         </p:nvSpPr>
@@ -13809,7 +13809,7 @@
   <p:cSld>
     <p:spTree>
       <p:nvGrpSpPr>
-        <p:cNvPr id="277" name="Shape 277"/>
+        <p:cNvPr id="278" name="Shape 278"/>
         <p:cNvGrpSpPr/>
         <p:nvPr/>
       </p:nvGrpSpPr>
@@ -13823,7 +13823,7 @@
       </p:grpSpPr>
       <p:sp>
         <p:nvSpPr>
-          <p:cNvPr id="278" name="Google Shape;278;p40"/>
+          <p:cNvPr id="279" name="Google Shape;279;p40"/>
           <p:cNvSpPr txBox="1"/>
           <p:nvPr>
             <p:ph type="title"/>
@@ -13871,7 +13871,7 @@
       </p:sp>
       <p:pic>
         <p:nvPicPr>
-          <p:cNvPr id="279" name="Google Shape;279;p40"/>
+          <p:cNvPr id="280" name="Google Shape;280;p40"/>
           <p:cNvPicPr preferRelativeResize="0"/>
           <p:nvPr/>
         </p:nvPicPr>
@@ -13899,7 +13899,7 @@
       </p:pic>
       <p:pic>
         <p:nvPicPr>
-          <p:cNvPr id="280" name="Google Shape;280;p40"/>
+          <p:cNvPr id="281" name="Google Shape;281;p40"/>
           <p:cNvPicPr preferRelativeResize="0"/>
           <p:nvPr/>
         </p:nvPicPr>
@@ -13938,7 +13938,7 @@
   <p:cSld>
     <p:spTree>
       <p:nvGrpSpPr>
-        <p:cNvPr id="284" name="Shape 284"/>
+        <p:cNvPr id="285" name="Shape 285"/>
         <p:cNvGrpSpPr/>
         <p:nvPr/>
       </p:nvGrpSpPr>
@@ -13952,7 +13952,7 @@
       </p:grpSpPr>
       <p:sp>
         <p:nvSpPr>
-          <p:cNvPr id="285" name="Google Shape;285;p41"/>
+          <p:cNvPr id="286" name="Google Shape;286;p41"/>
           <p:cNvSpPr txBox="1"/>
           <p:nvPr>
             <p:ph type="title"/>
@@ -14000,7 +14000,7 @@
       </p:sp>
       <p:pic>
         <p:nvPicPr>
-          <p:cNvPr id="286" name="Google Shape;286;p41"/>
+          <p:cNvPr id="287" name="Google Shape;287;p41"/>
           <p:cNvPicPr preferRelativeResize="0"/>
           <p:nvPr/>
         </p:nvPicPr>
@@ -14028,7 +14028,7 @@
       </p:pic>
       <p:sp>
         <p:nvSpPr>
-          <p:cNvPr id="287" name="Google Shape;287;p41"/>
+          <p:cNvPr id="288" name="Google Shape;288;p41"/>
           <p:cNvSpPr txBox="1"/>
           <p:nvPr/>
         </p:nvSpPr>
@@ -14281,7 +14281,7 @@
   <p:cSld>
     <p:spTree>
       <p:nvGrpSpPr>
-        <p:cNvPr id="291" name="Shape 291"/>
+        <p:cNvPr id="292" name="Shape 292"/>
         <p:cNvGrpSpPr/>
         <p:nvPr/>
       </p:nvGrpSpPr>
@@ -14295,7 +14295,7 @@
       </p:grpSpPr>
       <p:sp>
         <p:nvSpPr>
-          <p:cNvPr id="292" name="Google Shape;292;p42"/>
+          <p:cNvPr id="293" name="Google Shape;293;p42"/>
           <p:cNvSpPr txBox="1"/>
           <p:nvPr>
             <p:ph type="title"/>

--- a/Презентация/Защита проекта PyQT5.pptx
+++ b/Презентация/Защита проекта PyQT5.pptx
@@ -14155,7 +14155,7 @@
         <p:spPr>
           <a:xfrm>
             <a:off x="311700" y="1156775"/>
-            <a:ext cx="4754100" cy="3179400"/>
+            <a:ext cx="5835300" cy="3179400"/>
           </a:xfrm>
           <a:prstGeom prst="rect">
             <a:avLst/>
@@ -14252,19 +14252,21 @@
             <a:endParaRPr sz="1800"/>
           </a:p>
           <a:p>
-            <a:pPr indent="0" lvl="0" marL="0" rtl="0" algn="l">
-              <a:spcBef>
-                <a:spcPts val="1200"/>
-              </a:spcBef>
-              <a:spcAft>
-                <a:spcPts val="1200"/>
-              </a:spcAft>
-              <a:buNone/>
+            <a:pPr indent="-342900" lvl="0" marL="457200" rtl="0" algn="l">
+              <a:spcBef>
+                <a:spcPts val="0"/>
+              </a:spcBef>
+              <a:spcAft>
+                <a:spcPts val="0"/>
+              </a:spcAft>
+              <a:buSzPts val="1800"/>
+              <a:buChar char="●"/>
             </a:pPr>
             <a:r>
-              <a:t/>
+              <a:rPr lang="ru" sz="1800"/>
+              <a:t>Standalone приложение (PyInstaller)</a:t>
             </a:r>
-            <a:endParaRPr sz="1400"/>
+            <a:endParaRPr sz="1800"/>
           </a:p>
         </p:txBody>
       </p:sp>
